--- a/テスト設計方針.pptx
+++ b/テスト設計方針.pptx
@@ -8,6 +8,9 @@
     <p:sldId id="256" r:id="rId2"/>
     <p:sldId id="257" r:id="rId3"/>
     <p:sldId id="258" r:id="rId4"/>
+    <p:sldId id="259" r:id="rId5"/>
+    <p:sldId id="260" r:id="rId6"/>
+    <p:sldId id="261" r:id="rId7"/>
   </p:sldIdLst>
   <p:sldSz cx="12192000" cy="6858000"/>
   <p:notesSz cx="6858000" cy="9144000"/>
@@ -106,6 +109,11 @@
       </a:defRPr>
     </a:lvl9pPr>
   </p:defaultTextStyle>
+  <p:extLst>
+    <p:ext uri="{EFAFB233-063F-42B5-8137-9DF3F51BA10A}">
+      <p15:sldGuideLst xmlns:p15="http://schemas.microsoft.com/office/powerpoint/2012/main"/>
+    </p:ext>
+  </p:extLst>
 </p:presentation>
 </file>
 
@@ -4074,6 +4082,660 @@
 </p:sld>
 </file>
 
+<file path=ppt/slides/slide4.xml><?xml version="1.0" encoding="utf-8"?>
+<p:sld xmlns:a="http://schemas.openxmlformats.org/drawingml/2006/main" xmlns:r="http://schemas.openxmlformats.org/officeDocument/2006/relationships" xmlns:p="http://schemas.openxmlformats.org/presentationml/2006/main">
+  <p:cSld>
+    <p:spTree>
+      <p:nvGrpSpPr>
+        <p:cNvPr id="1" name=""/>
+        <p:cNvGrpSpPr/>
+        <p:nvPr/>
+      </p:nvGrpSpPr>
+      <p:grpSpPr>
+        <a:xfrm>
+          <a:off x="0" y="0"/>
+          <a:ext cx="0" cy="0"/>
+          <a:chOff x="0" y="0"/>
+          <a:chExt cx="0" cy="0"/>
+        </a:xfrm>
+      </p:grpSpPr>
+      <p:sp>
+        <p:nvSpPr>
+          <p:cNvPr id="2" name="タイトル 1">
+            <a:extLst>
+              <a:ext uri="{FF2B5EF4-FFF2-40B4-BE49-F238E27FC236}">
+                <a16:creationId xmlns:a16="http://schemas.microsoft.com/office/drawing/2014/main" id="{18A8E333-1E33-44AE-8AE9-5C46A0C7C9CD}"/>
+              </a:ext>
+            </a:extLst>
+          </p:cNvPr>
+          <p:cNvSpPr>
+            <a:spLocks noGrp="1"/>
+          </p:cNvSpPr>
+          <p:nvPr>
+            <p:ph type="title"/>
+          </p:nvPr>
+        </p:nvSpPr>
+        <p:spPr/>
+        <p:txBody>
+          <a:bodyPr/>
+          <a:lstStyle/>
+          <a:p>
+            <a:r>
+              <a:rPr kumimoji="1" lang="ja-JP" altLang="en-US" dirty="0"/>
+              <a:t>利用料金のテストケース留意点</a:t>
+            </a:r>
+          </a:p>
+        </p:txBody>
+      </p:sp>
+      <p:sp>
+        <p:nvSpPr>
+          <p:cNvPr id="3" name="コンテンツ プレースホルダー 2">
+            <a:extLst>
+              <a:ext uri="{FF2B5EF4-FFF2-40B4-BE49-F238E27FC236}">
+                <a16:creationId xmlns:a16="http://schemas.microsoft.com/office/drawing/2014/main" id="{35DD5C6E-7FF9-4EE6-BC13-84F03D15CF06}"/>
+              </a:ext>
+            </a:extLst>
+          </p:cNvPr>
+          <p:cNvSpPr>
+            <a:spLocks noGrp="1"/>
+          </p:cNvSpPr>
+          <p:nvPr>
+            <p:ph idx="1"/>
+          </p:nvPr>
+        </p:nvSpPr>
+        <p:spPr/>
+        <p:txBody>
+          <a:bodyPr>
+            <a:normAutofit fontScale="55000" lnSpcReduction="20000"/>
+          </a:bodyPr>
+          <a:lstStyle/>
+          <a:p>
+            <a:pPr marL="514350" indent="-514350">
+              <a:buFont typeface="+mj-lt"/>
+              <a:buAutoNum type="arabicPeriod"/>
+            </a:pPr>
+            <a:r>
+              <a:rPr kumimoji="1" lang="ja-JP" altLang="en-US" dirty="0"/>
+              <a:t>週末料金が適用される日数の網羅</a:t>
+            </a:r>
+          </a:p>
+          <a:p>
+            <a:pPr lvl="1">
+              <a:buFont typeface="Wingdings" panose="05000000000000000000" pitchFamily="2" charset="2"/>
+              <a:buChar char="l"/>
+            </a:pPr>
+            <a:r>
+              <a:rPr kumimoji="1" lang="ja-JP" altLang="en-US" dirty="0"/>
+              <a:t>最大連泊数が</a:t>
+            </a:r>
+            <a:r>
+              <a:rPr kumimoji="1" lang="en-US" altLang="ja-JP" dirty="0"/>
+              <a:t>9</a:t>
+            </a:r>
+            <a:r>
+              <a:rPr kumimoji="1" lang="ja-JP" altLang="en-US" dirty="0"/>
+              <a:t>泊なので、週末料金が適用される日数の最大は</a:t>
+            </a:r>
+            <a:r>
+              <a:rPr kumimoji="1" lang="en-US" altLang="ja-JP" dirty="0"/>
+              <a:t>4</a:t>
+            </a:r>
+            <a:r>
+              <a:rPr kumimoji="1" lang="ja-JP" altLang="en-US" dirty="0"/>
+              <a:t>日</a:t>
+            </a:r>
+          </a:p>
+          <a:p>
+            <a:pPr lvl="2">
+              <a:buFont typeface="Wingdings" panose="05000000000000000000" pitchFamily="2" charset="2"/>
+              <a:buChar char="ü"/>
+            </a:pPr>
+            <a:r>
+              <a:rPr kumimoji="1" lang="ja-JP" altLang="en-US" dirty="0"/>
+              <a:t>土曜日から</a:t>
+            </a:r>
+            <a:r>
+              <a:rPr kumimoji="1" lang="en-US" altLang="ja-JP" dirty="0"/>
+              <a:t>9</a:t>
+            </a:r>
+            <a:r>
+              <a:rPr kumimoji="1" lang="ja-JP" altLang="en-US" dirty="0"/>
+              <a:t>泊のパターン</a:t>
+            </a:r>
+          </a:p>
+          <a:p>
+            <a:pPr lvl="2">
+              <a:buFont typeface="Wingdings" panose="05000000000000000000" pitchFamily="2" charset="2"/>
+              <a:buChar char="ü"/>
+            </a:pPr>
+            <a:r>
+              <a:rPr lang="ja-JP" altLang="en-US" dirty="0"/>
+              <a:t>予約画面での宿泊初日は、カレンダー上の明日</a:t>
+            </a:r>
+          </a:p>
+          <a:p>
+            <a:pPr lvl="2">
+              <a:buFont typeface="Wingdings" panose="05000000000000000000" pitchFamily="2" charset="2"/>
+              <a:buChar char="ü"/>
+            </a:pPr>
+            <a:r>
+              <a:rPr kumimoji="1" lang="ja-JP" altLang="en-US" dirty="0"/>
+              <a:t>テスト実施日（カレンダー上）の曜日によって、同じ連泊数でも週末適用条件が違ってしまうのは回避したい</a:t>
+            </a:r>
+          </a:p>
+          <a:p>
+            <a:pPr lvl="1">
+              <a:buFont typeface="Wingdings" panose="05000000000000000000" pitchFamily="2" charset="2"/>
+              <a:buChar char="l"/>
+            </a:pPr>
+            <a:r>
+              <a:rPr kumimoji="1" lang="ja-JP" altLang="en-US" dirty="0"/>
+              <a:t>連泊数の最大値に制限のある宿泊プラン</a:t>
+            </a:r>
+          </a:p>
+          <a:p>
+            <a:pPr lvl="2">
+              <a:buFont typeface="Wingdings" panose="05000000000000000000" pitchFamily="2" charset="2"/>
+              <a:buChar char="ü"/>
+            </a:pPr>
+            <a:r>
+              <a:rPr kumimoji="1" lang="ja-JP" altLang="en-US" dirty="0"/>
+              <a:t>カップル限定プランは</a:t>
+            </a:r>
+            <a:r>
+              <a:rPr kumimoji="1" lang="en-US" altLang="ja-JP" dirty="0"/>
+              <a:t>2</a:t>
+            </a:r>
+            <a:r>
+              <a:rPr kumimoji="1" lang="ja-JP" altLang="en-US" dirty="0"/>
+              <a:t>泊まで</a:t>
+            </a:r>
+          </a:p>
+          <a:p>
+            <a:pPr lvl="2">
+              <a:buFont typeface="Wingdings" panose="05000000000000000000" pitchFamily="2" charset="2"/>
+              <a:buChar char="ü"/>
+            </a:pPr>
+            <a:r>
+              <a:rPr kumimoji="1" lang="ja-JP" altLang="en-US" dirty="0"/>
+              <a:t>露天風呂プランとディナープランは</a:t>
+            </a:r>
+            <a:r>
+              <a:rPr kumimoji="1" lang="en-US" altLang="ja-JP" dirty="0"/>
+              <a:t>3</a:t>
+            </a:r>
+            <a:r>
+              <a:rPr kumimoji="1" lang="ja-JP" altLang="en-US" dirty="0"/>
+              <a:t>泊まで</a:t>
+            </a:r>
+          </a:p>
+          <a:p>
+            <a:pPr lvl="2">
+              <a:buFont typeface="Wingdings" panose="05000000000000000000" pitchFamily="2" charset="2"/>
+              <a:buChar char="ü"/>
+            </a:pPr>
+            <a:r>
+              <a:rPr kumimoji="1" lang="ja-JP" altLang="en-US" dirty="0"/>
+              <a:t>テーマパークプランは</a:t>
+            </a:r>
+            <a:r>
+              <a:rPr kumimoji="1" lang="en-US" altLang="ja-JP" dirty="0"/>
+              <a:t>5</a:t>
+            </a:r>
+            <a:r>
+              <a:rPr kumimoji="1" lang="ja-JP" altLang="en-US" dirty="0"/>
+              <a:t>泊まで</a:t>
+            </a:r>
+          </a:p>
+          <a:p>
+            <a:pPr marL="514350" indent="-514350">
+              <a:buFont typeface="+mj-lt"/>
+              <a:buAutoNum type="arabicPeriod"/>
+            </a:pPr>
+            <a:r>
+              <a:rPr lang="ja-JP" altLang="en-US" dirty="0"/>
+              <a:t>宿泊プランとオプションプランの網羅</a:t>
+            </a:r>
+          </a:p>
+          <a:p>
+            <a:pPr lvl="1">
+              <a:buFont typeface="Wingdings" panose="05000000000000000000" pitchFamily="2" charset="2"/>
+              <a:buChar char="l"/>
+            </a:pPr>
+            <a:r>
+              <a:rPr lang="ja-JP" altLang="en-US" dirty="0"/>
+              <a:t>宿泊プラン別の基本料金、さらにオプションのつけ方</a:t>
+            </a:r>
+          </a:p>
+          <a:p>
+            <a:pPr lvl="2">
+              <a:buFont typeface="Wingdings" panose="05000000000000000000" pitchFamily="2" charset="2"/>
+              <a:buChar char="ü"/>
+            </a:pPr>
+            <a:r>
+              <a:rPr lang="ja-JP" altLang="en-US" dirty="0"/>
+              <a:t>人数と宿泊数で計算（朝食付き）</a:t>
+            </a:r>
+          </a:p>
+          <a:p>
+            <a:pPr lvl="2">
+              <a:buFont typeface="Wingdings" panose="05000000000000000000" pitchFamily="2" charset="2"/>
+              <a:buChar char="ü"/>
+            </a:pPr>
+            <a:r>
+              <a:rPr lang="ja-JP" altLang="en-US" dirty="0"/>
+              <a:t>人数のみで計算（昼からチェックインと観光プラン付き）</a:t>
+            </a:r>
+          </a:p>
+          <a:p>
+            <a:pPr marL="514350" indent="-514350">
+              <a:buFont typeface="+mj-lt"/>
+              <a:buAutoNum type="arabicPeriod"/>
+            </a:pPr>
+            <a:r>
+              <a:rPr lang="ja-JP" altLang="en-US" dirty="0"/>
+              <a:t>人数の境界値網羅</a:t>
+            </a:r>
+          </a:p>
+          <a:p>
+            <a:pPr lvl="1">
+              <a:buFont typeface="Wingdings" panose="05000000000000000000" pitchFamily="2" charset="2"/>
+              <a:buChar char="l"/>
+            </a:pPr>
+            <a:r>
+              <a:rPr kumimoji="1" lang="ja-JP" altLang="en-US" dirty="0"/>
+              <a:t>基本</a:t>
+            </a:r>
+            <a:r>
+              <a:rPr kumimoji="1" lang="en-US" altLang="ja-JP" dirty="0"/>
+              <a:t>6</a:t>
+            </a:r>
+            <a:r>
+              <a:rPr kumimoji="1" lang="ja-JP" altLang="en-US" dirty="0"/>
+              <a:t>人まで</a:t>
+            </a:r>
+          </a:p>
+          <a:p>
+            <a:pPr lvl="1">
+              <a:buFont typeface="Wingdings" panose="05000000000000000000" pitchFamily="2" charset="2"/>
+              <a:buChar char="l"/>
+            </a:pPr>
+            <a:r>
+              <a:rPr lang="ja-JP" altLang="en-US" dirty="0"/>
+              <a:t>人数に制限のあるプラン</a:t>
+            </a:r>
+          </a:p>
+          <a:p>
+            <a:pPr lvl="2">
+              <a:buFont typeface="Wingdings" panose="05000000000000000000" pitchFamily="2" charset="2"/>
+              <a:buChar char="ü"/>
+            </a:pPr>
+            <a:r>
+              <a:rPr kumimoji="1" lang="ja-JP" altLang="en-US" dirty="0"/>
+              <a:t>素泊まりプランとビジネスプランは</a:t>
+            </a:r>
+            <a:r>
+              <a:rPr kumimoji="1" lang="en-US" altLang="ja-JP" dirty="0"/>
+              <a:t>2</a:t>
+            </a:r>
+            <a:r>
+              <a:rPr kumimoji="1" lang="ja-JP" altLang="en-US" dirty="0"/>
+              <a:t>人まで</a:t>
+            </a:r>
+          </a:p>
+          <a:p>
+            <a:pPr lvl="2">
+              <a:buFont typeface="Wingdings" panose="05000000000000000000" pitchFamily="2" charset="2"/>
+              <a:buChar char="ü"/>
+            </a:pPr>
+            <a:r>
+              <a:rPr lang="ja-JP" altLang="en-US" dirty="0"/>
+              <a:t>ディナープランは４人まで</a:t>
+            </a:r>
+          </a:p>
+          <a:p>
+            <a:pPr lvl="2">
+              <a:buFont typeface="Wingdings" panose="05000000000000000000" pitchFamily="2" charset="2"/>
+              <a:buChar char="ü"/>
+            </a:pPr>
+            <a:r>
+              <a:rPr lang="ja-JP" altLang="en-US" dirty="0"/>
+              <a:t>エステプランと露天風呂ブランは</a:t>
+            </a:r>
+            <a:r>
+              <a:rPr lang="en-US" altLang="ja-JP" dirty="0"/>
+              <a:t>6</a:t>
+            </a:r>
+            <a:r>
+              <a:rPr lang="ja-JP" altLang="en-US" dirty="0"/>
+              <a:t>人まで</a:t>
+            </a:r>
+          </a:p>
+          <a:p>
+            <a:pPr lvl="2">
+              <a:buFont typeface="Wingdings" panose="05000000000000000000" pitchFamily="2" charset="2"/>
+              <a:buChar char="ü"/>
+            </a:pPr>
+            <a:r>
+              <a:rPr lang="ja-JP" altLang="en-US" dirty="0"/>
+              <a:t>カップル限定プランは</a:t>
+            </a:r>
+            <a:r>
+              <a:rPr lang="en-US" altLang="ja-JP" dirty="0"/>
+              <a:t>2</a:t>
+            </a:r>
+            <a:r>
+              <a:rPr lang="ja-JP" altLang="en-US" dirty="0"/>
+              <a:t>名のみ</a:t>
+            </a:r>
+          </a:p>
+          <a:p>
+            <a:pPr lvl="2">
+              <a:buFont typeface="Wingdings" panose="05000000000000000000" pitchFamily="2" charset="2"/>
+              <a:buChar char="ü"/>
+            </a:pPr>
+            <a:r>
+              <a:rPr lang="ja-JP" altLang="en-US" dirty="0"/>
+              <a:t>プレミアムプランは</a:t>
+            </a:r>
+            <a:r>
+              <a:rPr lang="en-US" altLang="ja-JP" dirty="0"/>
+              <a:t>2</a:t>
+            </a:r>
+            <a:r>
+              <a:rPr lang="ja-JP" altLang="en-US" dirty="0"/>
+              <a:t>名から</a:t>
+            </a:r>
+          </a:p>
+          <a:p>
+            <a:pPr lvl="2">
+              <a:buFont typeface="Wingdings" panose="05000000000000000000" pitchFamily="2" charset="2"/>
+              <a:buChar char="ü"/>
+            </a:pPr>
+            <a:endParaRPr kumimoji="1" lang="ja-JP" altLang="en-US" dirty="0"/>
+          </a:p>
+        </p:txBody>
+      </p:sp>
+      <p:sp>
+        <p:nvSpPr>
+          <p:cNvPr id="4" name="テキスト ボックス 3">
+            <a:extLst>
+              <a:ext uri="{FF2B5EF4-FFF2-40B4-BE49-F238E27FC236}">
+                <a16:creationId xmlns:a16="http://schemas.microsoft.com/office/drawing/2014/main" id="{C2E97EF9-2E3B-4611-993F-7C640B6FCE0F}"/>
+              </a:ext>
+            </a:extLst>
+          </p:cNvPr>
+          <p:cNvSpPr txBox="1"/>
+          <p:nvPr/>
+        </p:nvSpPr>
+        <p:spPr>
+          <a:xfrm>
+            <a:off x="9077498" y="5015547"/>
+            <a:ext cx="2723823" cy="1477328"/>
+          </a:xfrm>
+          <a:prstGeom prst="rect">
+            <a:avLst/>
+          </a:prstGeom>
+          <a:noFill/>
+        </p:spPr>
+        <p:txBody>
+          <a:bodyPr wrap="none" rtlCol="0">
+            <a:spAutoFit/>
+          </a:bodyPr>
+          <a:lstStyle/>
+          <a:p>
+            <a:r>
+              <a:rPr kumimoji="1" lang="ja-JP" altLang="en-US" dirty="0"/>
+              <a:t>利用料金の表示は、</a:t>
+            </a:r>
+          </a:p>
+          <a:p>
+            <a:r>
+              <a:rPr kumimoji="1" lang="ja-JP" altLang="en-US" dirty="0"/>
+              <a:t>予約入力画面</a:t>
+            </a:r>
+          </a:p>
+          <a:p>
+            <a:r>
+              <a:rPr lang="ja-JP" altLang="en-US" dirty="0"/>
+              <a:t>と</a:t>
+            </a:r>
+          </a:p>
+          <a:p>
+            <a:r>
+              <a:rPr kumimoji="1" lang="ja-JP" altLang="en-US" dirty="0"/>
+              <a:t>予約確認画面</a:t>
+            </a:r>
+          </a:p>
+          <a:p>
+            <a:r>
+              <a:rPr lang="ja-JP" altLang="en-US" dirty="0"/>
+              <a:t>との両方でテストすべき</a:t>
+            </a:r>
+            <a:endParaRPr kumimoji="1" lang="ja-JP" altLang="en-US" dirty="0"/>
+          </a:p>
+        </p:txBody>
+      </p:sp>
+    </p:spTree>
+    <p:extLst>
+      <p:ext uri="{BB962C8B-B14F-4D97-AF65-F5344CB8AC3E}">
+        <p14:creationId xmlns:p14="http://schemas.microsoft.com/office/powerpoint/2010/main" val="1480268671"/>
+      </p:ext>
+    </p:extLst>
+  </p:cSld>
+  <p:clrMapOvr>
+    <a:masterClrMapping/>
+  </p:clrMapOvr>
+</p:sld>
+</file>
+
+<file path=ppt/slides/slide5.xml><?xml version="1.0" encoding="utf-8"?>
+<p:sld xmlns:a="http://schemas.openxmlformats.org/drawingml/2006/main" xmlns:r="http://schemas.openxmlformats.org/officeDocument/2006/relationships" xmlns:p="http://schemas.openxmlformats.org/presentationml/2006/main">
+  <p:cSld>
+    <p:spTree>
+      <p:nvGrpSpPr>
+        <p:cNvPr id="1" name=""/>
+        <p:cNvGrpSpPr/>
+        <p:nvPr/>
+      </p:nvGrpSpPr>
+      <p:grpSpPr>
+        <a:xfrm>
+          <a:off x="0" y="0"/>
+          <a:ext cx="0" cy="0"/>
+          <a:chOff x="0" y="0"/>
+          <a:chExt cx="0" cy="0"/>
+        </a:xfrm>
+      </p:grpSpPr>
+      <p:sp>
+        <p:nvSpPr>
+          <p:cNvPr id="2" name="タイトル 1">
+            <a:extLst>
+              <a:ext uri="{FF2B5EF4-FFF2-40B4-BE49-F238E27FC236}">
+                <a16:creationId xmlns:a16="http://schemas.microsoft.com/office/drawing/2014/main" id="{FBB37A77-F54D-4791-B46A-848A88422754}"/>
+              </a:ext>
+            </a:extLst>
+          </p:cNvPr>
+          <p:cNvSpPr>
+            <a:spLocks noGrp="1"/>
+          </p:cNvSpPr>
+          <p:nvPr>
+            <p:ph type="title"/>
+          </p:nvPr>
+        </p:nvSpPr>
+        <p:spPr/>
+        <p:txBody>
+          <a:bodyPr/>
+          <a:lstStyle/>
+          <a:p>
+            <a:r>
+              <a:rPr kumimoji="1" lang="ja-JP" altLang="en-US" dirty="0"/>
+              <a:t>宿泊プラン一覧テストケースの留意点</a:t>
+            </a:r>
+          </a:p>
+        </p:txBody>
+      </p:sp>
+      <p:sp>
+        <p:nvSpPr>
+          <p:cNvPr id="3" name="コンテンツ プレースホルダー 2">
+            <a:extLst>
+              <a:ext uri="{FF2B5EF4-FFF2-40B4-BE49-F238E27FC236}">
+                <a16:creationId xmlns:a16="http://schemas.microsoft.com/office/drawing/2014/main" id="{6B2B50CF-7F44-48F5-80D1-87E99AE34DB2}"/>
+              </a:ext>
+            </a:extLst>
+          </p:cNvPr>
+          <p:cNvSpPr>
+            <a:spLocks noGrp="1"/>
+          </p:cNvSpPr>
+          <p:nvPr>
+            <p:ph idx="1"/>
+          </p:nvPr>
+        </p:nvSpPr>
+        <p:spPr/>
+        <p:txBody>
+          <a:bodyPr/>
+          <a:lstStyle/>
+          <a:p>
+            <a:pPr marL="514350" indent="-514350">
+              <a:buFont typeface="+mj-lt"/>
+              <a:buAutoNum type="arabicPeriod"/>
+            </a:pPr>
+            <a:r>
+              <a:rPr kumimoji="1" lang="ja-JP" altLang="en-US" dirty="0"/>
+              <a:t>非会員 </a:t>
+            </a:r>
+            <a:r>
+              <a:rPr kumimoji="1" lang="en-US" altLang="ja-JP" dirty="0"/>
+              <a:t>/ </a:t>
+            </a:r>
+            <a:r>
+              <a:rPr kumimoji="1" lang="ja-JP" altLang="en-US" dirty="0"/>
+              <a:t>一般会員 </a:t>
+            </a:r>
+            <a:r>
+              <a:rPr kumimoji="1" lang="en-US" altLang="ja-JP" dirty="0"/>
+              <a:t>/ </a:t>
+            </a:r>
+            <a:r>
+              <a:rPr kumimoji="1" lang="ja-JP" altLang="en-US" dirty="0"/>
+              <a:t>プレミアム会員を網羅</a:t>
+            </a:r>
+          </a:p>
+        </p:txBody>
+      </p:sp>
+    </p:spTree>
+    <p:extLst>
+      <p:ext uri="{BB962C8B-B14F-4D97-AF65-F5344CB8AC3E}">
+        <p14:creationId xmlns:p14="http://schemas.microsoft.com/office/powerpoint/2010/main" val="2249615336"/>
+      </p:ext>
+    </p:extLst>
+  </p:cSld>
+  <p:clrMapOvr>
+    <a:masterClrMapping/>
+  </p:clrMapOvr>
+</p:sld>
+</file>
+
+<file path=ppt/slides/slide6.xml><?xml version="1.0" encoding="utf-8"?>
+<p:sld xmlns:a="http://schemas.openxmlformats.org/drawingml/2006/main" xmlns:r="http://schemas.openxmlformats.org/officeDocument/2006/relationships" xmlns:p="http://schemas.openxmlformats.org/presentationml/2006/main">
+  <p:cSld>
+    <p:spTree>
+      <p:nvGrpSpPr>
+        <p:cNvPr id="1" name=""/>
+        <p:cNvGrpSpPr/>
+        <p:nvPr/>
+      </p:nvGrpSpPr>
+      <p:grpSpPr>
+        <a:xfrm>
+          <a:off x="0" y="0"/>
+          <a:ext cx="0" cy="0"/>
+          <a:chOff x="0" y="0"/>
+          <a:chExt cx="0" cy="0"/>
+        </a:xfrm>
+      </p:grpSpPr>
+      <p:sp>
+        <p:nvSpPr>
+          <p:cNvPr id="2" name="タイトル 1">
+            <a:extLst>
+              <a:ext uri="{FF2B5EF4-FFF2-40B4-BE49-F238E27FC236}">
+                <a16:creationId xmlns:a16="http://schemas.microsoft.com/office/drawing/2014/main" id="{33E62FDA-ED7C-48EC-AF09-CBE69FBCA88E}"/>
+              </a:ext>
+            </a:extLst>
+          </p:cNvPr>
+          <p:cNvSpPr>
+            <a:spLocks noGrp="1"/>
+          </p:cNvSpPr>
+          <p:nvPr>
+            <p:ph type="title"/>
+          </p:nvPr>
+        </p:nvSpPr>
+        <p:spPr/>
+        <p:txBody>
+          <a:bodyPr/>
+          <a:lstStyle/>
+          <a:p>
+            <a:r>
+              <a:rPr kumimoji="1" lang="ja-JP" altLang="en-US" dirty="0"/>
+              <a:t>予約確認のテストケース留意点</a:t>
+            </a:r>
+          </a:p>
+        </p:txBody>
+      </p:sp>
+      <p:sp>
+        <p:nvSpPr>
+          <p:cNvPr id="3" name="コンテンツ プレースホルダー 2">
+            <a:extLst>
+              <a:ext uri="{FF2B5EF4-FFF2-40B4-BE49-F238E27FC236}">
+                <a16:creationId xmlns:a16="http://schemas.microsoft.com/office/drawing/2014/main" id="{F2F9C366-A4A6-40A8-B94D-0E265FDA8B69}"/>
+              </a:ext>
+            </a:extLst>
+          </p:cNvPr>
+          <p:cNvSpPr>
+            <a:spLocks noGrp="1"/>
+          </p:cNvSpPr>
+          <p:nvPr>
+            <p:ph idx="1"/>
+          </p:nvPr>
+        </p:nvSpPr>
+        <p:spPr/>
+        <p:txBody>
+          <a:bodyPr/>
+          <a:lstStyle/>
+          <a:p>
+            <a:pPr marL="514350" indent="-514350">
+              <a:buFont typeface="+mj-lt"/>
+              <a:buAutoNum type="arabicPeriod"/>
+            </a:pPr>
+            <a:r>
+              <a:rPr kumimoji="1" lang="ja-JP" altLang="en-US" dirty="0"/>
+              <a:t>予約入力フォームで入力した内容と一致しているか</a:t>
+            </a:r>
+          </a:p>
+          <a:p>
+            <a:pPr marL="514350" indent="-514350">
+              <a:buFont typeface="+mj-lt"/>
+              <a:buAutoNum type="arabicPeriod"/>
+            </a:pPr>
+            <a:r>
+              <a:rPr lang="ja-JP" altLang="en-US"/>
+              <a:t>予約承り状態になるか</a:t>
+            </a:r>
+            <a:endParaRPr kumimoji="1" lang="ja-JP" altLang="en-US"/>
+          </a:p>
+        </p:txBody>
+      </p:sp>
+    </p:spTree>
+    <p:extLst>
+      <p:ext uri="{BB962C8B-B14F-4D97-AF65-F5344CB8AC3E}">
+        <p14:creationId xmlns:p14="http://schemas.microsoft.com/office/powerpoint/2010/main" val="4157221273"/>
+      </p:ext>
+    </p:extLst>
+  </p:cSld>
+  <p:clrMapOvr>
+    <a:masterClrMapping/>
+  </p:clrMapOvr>
+</p:sld>
+</file>
+
 <file path=ppt/theme/theme1.xml><?xml version="1.0" encoding="utf-8"?>
 <a:theme xmlns:a="http://schemas.openxmlformats.org/drawingml/2006/main" name="Office テーマ">
   <a:themeElements>
